--- a/trunk/Report/ThietKeMau.pptx
+++ b/trunk/Report/ThietKeMau.pptx
@@ -7555,7 +7555,31 @@
                   <a:prstClr val="white"/>
                 </a:solidFill>
               </a:rPr>
-              <a:t>Sinh Code tự động</a:t>
+              <a:t>Sinh </a:t>
+            </a:r>
+            <a:r>
+              <a:rPr lang="en-US" sz="5600" b="0" dirty="0" smtClean="0">
+                <a:solidFill>
+                  <a:prstClr val="white"/>
+                </a:solidFill>
+              </a:rPr>
+              <a:t>mã </a:t>
+            </a:r>
+            <a:r>
+              <a:rPr lang="en-US" sz="5600" b="0" dirty="0" smtClean="0">
+                <a:solidFill>
+                  <a:prstClr val="white"/>
+                </a:solidFill>
+              </a:rPr>
+              <a:t>tự </a:t>
+            </a:r>
+            <a:r>
+              <a:rPr lang="en-US" sz="5600" b="0" dirty="0" smtClean="0">
+                <a:solidFill>
+                  <a:prstClr val="white"/>
+                </a:solidFill>
+              </a:rPr>
+              <a:t>động</a:t>
             </a:r>
             <a:endParaRPr lang="en-US" sz="5600" b="0" dirty="0"/>
           </a:p>
@@ -7937,7 +7961,7 @@
                   </a:prstClr>
                 </a:solidFill>
               </a:rPr>
-              <a:t>CSDL</a:t>
+              <a:t>cơ sở dữ liệu</a:t>
             </a:r>
             <a:endParaRPr lang="en-US" sz="2800" b="1" dirty="0" smtClean="0">
               <a:solidFill>
@@ -7963,8 +7987,21 @@
           <a:p>
             <a:r>
               <a:rPr lang="en-GB" sz="2400" dirty="0" smtClean="0"/>
-              <a:t>Hướng lập trình cấu trúc đang được dần phổ biến hiện nay. Khi người code nghĩ ra các đối tượng trước rồi mới sinh ra CSDL.</a:t>
-            </a:r>
+              <a:t>Hướng lập trình cấu trúc đang được dần phổ biến hiện nay. Khi người </a:t>
+            </a:r>
+            <a:r>
+              <a:rPr lang="en-GB" sz="2400" dirty="0" smtClean="0"/>
+              <a:t>lập trình viên nghĩ </a:t>
+            </a:r>
+            <a:r>
+              <a:rPr lang="en-GB" sz="2400" dirty="0" smtClean="0"/>
+              <a:t>ra các đối tượng trước rồi mới sinh ra </a:t>
+            </a:r>
+            <a:r>
+              <a:rPr lang="en-GB" sz="2400" dirty="0" smtClean="0"/>
+              <a:t>dữ liệu và lưu trữ trên cơ sở dữ liệu.</a:t>
+            </a:r>
+            <a:endParaRPr lang="en-GB" sz="2400" dirty="0" smtClean="0"/>
           </a:p>
           <a:p>
             <a:endParaRPr lang="en-GB" sz="2400" dirty="0" smtClean="0"/>
@@ -8110,13 +8147,13 @@
   <p:clrMapOvr>
     <a:masterClrMapping/>
   </p:clrMapOvr>
-  <mc:AlternateContent xmlns:mc="http://schemas.openxmlformats.org/markup-compatibility/2006">
-    <mc:Choice xmlns:p14="http://schemas.microsoft.com/office/powerpoint/2010/main" Requires="p14">
+  <mc:AlternateContent xmlns:mc="http://schemas.openxmlformats.org/markup-compatibility/2006" xmlns:p14="http://schemas.microsoft.com/office/powerpoint/2010/main">
+    <mc:Choice Requires="p14">
       <p:transition spd="slow" p14:dur="2000">
         <p14:flip dir="r"/>
       </p:transition>
     </mc:Choice>
-    <mc:Fallback>
+    <mc:Fallback xmlns="">
       <p:transition spd="slow">
         <p:fade/>
       </p:transition>
@@ -8198,11 +8235,6 @@
               </a:rPr>
               <a:t>Chương trình sinh Code</a:t>
             </a:r>
-            <a:endParaRPr lang="en-US" sz="2000" dirty="0" smtClean="0">
-              <a:solidFill>
-                <a:prstClr val="white"/>
-              </a:solidFill>
-            </a:endParaRPr>
           </a:p>
           <a:p>
             <a:pPr>
@@ -8310,11 +8342,6 @@
               </a:rPr>
               <a:t>. </a:t>
             </a:r>
-            <a:endParaRPr lang="en-US" sz="2000" dirty="0" smtClean="0">
-              <a:solidFill>
-                <a:prstClr val="white"/>
-              </a:solidFill>
-            </a:endParaRPr>
           </a:p>
           <a:p>
             <a:pPr>
@@ -8689,8 +8716,16 @@
                   </a:prstClr>
                 </a:solidFill>
               </a:rPr>
-              <a:t>Project MVC</a:t>
-            </a:r>
+              <a:t>Dự án MVC</a:t>
+            </a:r>
+            <a:endParaRPr lang="en-US" sz="2200" dirty="0" smtClean="0">
+              <a:solidFill>
+                <a:prstClr val="black">
+                  <a:lumMod val="85000"/>
+                  <a:lumOff val="15000"/>
+                </a:prstClr>
+              </a:solidFill>
+            </a:endParaRPr>
           </a:p>
           <a:p>
             <a:pPr>
@@ -9028,7 +9063,84 @@
                   </a:prstClr>
                 </a:solidFill>
               </a:rPr>
-              <a:t>Quá trình code từ cơ sở dữ liệu gây ra sự trùng lặp nhiều trong khi code, người code phải tạo ra các entity tương ứng với CSDL và thiện hiện các phương thức thêm, xóa, sửa cho các đối tượng này.</a:t>
+              <a:t>Quá trình </a:t>
+            </a:r>
+            <a:r>
+              <a:rPr lang="en-US" sz="2200" dirty="0" smtClean="0">
+                <a:solidFill>
+                  <a:prstClr val="black">
+                    <a:lumMod val="85000"/>
+                    <a:lumOff val="15000"/>
+                  </a:prstClr>
+                </a:solidFill>
+              </a:rPr>
+              <a:t>sinh mã nguồn từ </a:t>
+            </a:r>
+            <a:r>
+              <a:rPr lang="en-US" sz="2200" dirty="0" smtClean="0">
+                <a:solidFill>
+                  <a:prstClr val="black">
+                    <a:lumMod val="85000"/>
+                    <a:lumOff val="15000"/>
+                  </a:prstClr>
+                </a:solidFill>
+              </a:rPr>
+              <a:t>cơ sở dữ liệu gây ra sự trùng lặp nhiều trong khi </a:t>
+            </a:r>
+            <a:r>
+              <a:rPr lang="en-US" sz="2200" dirty="0" smtClean="0">
+                <a:solidFill>
+                  <a:prstClr val="black">
+                    <a:lumMod val="85000"/>
+                    <a:lumOff val="15000"/>
+                  </a:prstClr>
+                </a:solidFill>
+              </a:rPr>
+              <a:t>lập trình, lập trình viên phải </a:t>
+            </a:r>
+            <a:r>
+              <a:rPr lang="en-US" sz="2200" dirty="0" smtClean="0">
+                <a:solidFill>
+                  <a:prstClr val="black">
+                    <a:lumMod val="85000"/>
+                    <a:lumOff val="15000"/>
+                  </a:prstClr>
+                </a:solidFill>
+              </a:rPr>
+              <a:t>tạo ra các </a:t>
+            </a:r>
+            <a:r>
+              <a:rPr lang="en-US" sz="2200" dirty="0" smtClean="0">
+                <a:solidFill>
+                  <a:prstClr val="black">
+                    <a:lumMod val="85000"/>
+                    <a:lumOff val="15000"/>
+                  </a:prstClr>
+                </a:solidFill>
+              </a:rPr>
+              <a:t>thực thể tương </a:t>
+            </a:r>
+            <a:r>
+              <a:rPr lang="en-US" sz="2200" dirty="0" smtClean="0">
+                <a:solidFill>
+                  <a:prstClr val="black">
+                    <a:lumMod val="85000"/>
+                    <a:lumOff val="15000"/>
+                  </a:prstClr>
+                </a:solidFill>
+              </a:rPr>
+              <a:t>ứng với </a:t>
+            </a:r>
+            <a:r>
+              <a:rPr lang="en-US" sz="2200" dirty="0" smtClean="0">
+                <a:solidFill>
+                  <a:prstClr val="black">
+                    <a:lumMod val="85000"/>
+                    <a:lumOff val="15000"/>
+                  </a:prstClr>
+                </a:solidFill>
+              </a:rPr>
+              <a:t>cơ sở dữ liệu và tạo ra một lớp để kết nối với cơ sở dữ liệu.</a:t>
             </a:r>
           </a:p>
           <a:p>
@@ -9045,7 +9157,29 @@
                   </a:prstClr>
                 </a:solidFill>
               </a:rPr>
-              <a:t>Khi thực hiện quá trình này có thể gây ra sự nhàm chán do code gần giống nhau, hoặc cũng có thể gây ra lỗi.</a:t>
+              <a:t>Khi thực hiện quá trình này có thể gây ra sự nhàm chán cho </a:t>
+            </a:r>
+            <a:r>
+              <a:rPr lang="en-US" sz="2200" dirty="0" smtClean="0">
+                <a:solidFill>
+                  <a:prstClr val="black">
+                    <a:lumMod val="85000"/>
+                    <a:lumOff val="15000"/>
+                  </a:prstClr>
+                </a:solidFill>
+              </a:rPr>
+              <a:t>lập trình viên vì </a:t>
+            </a:r>
+            <a:r>
+              <a:rPr lang="en-US" sz="2200" dirty="0" smtClean="0">
+                <a:solidFill>
+                  <a:prstClr val="black">
+                    <a:lumMod val="85000"/>
+                    <a:lumOff val="15000"/>
+                  </a:prstClr>
+                </a:solidFill>
+              </a:rPr>
+              <a:t>mã nguồn gần giống nhau, hoặc cũng có thể gây ra lỗi.</a:t>
             </a:r>
           </a:p>
           <a:p>
@@ -9062,7 +9196,18 @@
                   </a:prstClr>
                 </a:solidFill>
               </a:rPr>
-              <a:t>Biện pháp hiện nay là dùng các hàm thư viện hỗ trợ, như </a:t>
+              <a:t>Biện </a:t>
+            </a:r>
+            <a:r>
+              <a:rPr lang="en-US" sz="2200" dirty="0" smtClean="0">
+                <a:solidFill>
+                  <a:prstClr val="black">
+                    <a:lumMod val="85000"/>
+                    <a:lumOff val="15000"/>
+                  </a:prstClr>
+                </a:solidFill>
+              </a:rPr>
+              <a:t>pháp hiện nay là dùng các hàm thư viện hỗ trợ, như </a:t>
             </a:r>
             <a:r>
               <a:rPr lang="en-US" sz="2200" dirty="0" err="1" smtClean="0">
@@ -9130,7 +9275,55 @@
                 </a:solidFill>
                 <a:sym typeface="Wingdings" panose="05000000000000000000" pitchFamily="2" charset="2"/>
               </a:rPr>
-              <a:t> Phần mềm tự động sinh code là cần thiết, giúp người code thực hiện dễ dàng hơn</a:t>
+              <a:t> Phần mềm tự động sinh </a:t>
+            </a:r>
+            <a:r>
+              <a:rPr lang="en-US" sz="2200" dirty="0" smtClean="0">
+                <a:solidFill>
+                  <a:prstClr val="black">
+                    <a:lumMod val="85000"/>
+                    <a:lumOff val="15000"/>
+                  </a:prstClr>
+                </a:solidFill>
+                <a:sym typeface="Wingdings" panose="05000000000000000000" pitchFamily="2" charset="2"/>
+              </a:rPr>
+              <a:t>mã nguồn là </a:t>
+            </a:r>
+            <a:r>
+              <a:rPr lang="en-US" sz="2200" dirty="0" smtClean="0">
+                <a:solidFill>
+                  <a:prstClr val="black">
+                    <a:lumMod val="85000"/>
+                    <a:lumOff val="15000"/>
+                  </a:prstClr>
+                </a:solidFill>
+                <a:sym typeface="Wingdings" panose="05000000000000000000" pitchFamily="2" charset="2"/>
+              </a:rPr>
+              <a:t>cần thiết, giúp người </a:t>
+            </a:r>
+            <a:r>
+              <a:rPr lang="en-US" sz="2200" dirty="0" smtClean="0">
+                <a:solidFill>
+                  <a:prstClr val="black">
+                    <a:lumMod val="85000"/>
+                    <a:lumOff val="15000"/>
+                  </a:prstClr>
+                </a:solidFill>
+                <a:sym typeface="Wingdings" panose="05000000000000000000" pitchFamily="2" charset="2"/>
+              </a:rPr>
+              <a:t>lập trình viên thực hiện thao tác một cách </a:t>
+            </a:r>
+            <a:r>
+              <a:rPr lang="en-US" sz="2200" dirty="0" smtClean="0">
+                <a:solidFill>
+                  <a:prstClr val="black">
+                    <a:lumMod val="85000"/>
+                    <a:lumOff val="15000"/>
+                  </a:prstClr>
+                </a:solidFill>
+                <a:sym typeface="Wingdings" panose="05000000000000000000" pitchFamily="2" charset="2"/>
+              </a:rPr>
+              <a:t>dễ dàng hơn</a:t>
             </a:r>
             <a:endParaRPr lang="en-US" dirty="0" smtClean="0">
               <a:solidFill>
@@ -9358,8 +9551,38 @@
                   </a:prstClr>
                 </a:solidFill>
               </a:rPr>
-              <a:t>Sinh Code từ CSDL</a:t>
-            </a:r>
+              <a:t>Sinh </a:t>
+            </a:r>
+            <a:r>
+              <a:rPr lang="en-US" sz="2800" b="1" dirty="0" smtClean="0">
+                <a:solidFill>
+                  <a:prstClr val="black">
+                    <a:lumMod val="50000"/>
+                    <a:lumOff val="50000"/>
+                  </a:prstClr>
+                </a:solidFill>
+              </a:rPr>
+              <a:t>mã nguồn </a:t>
+            </a:r>
+            <a:r>
+              <a:rPr lang="en-US" sz="2800" b="1" dirty="0" smtClean="0">
+                <a:solidFill>
+                  <a:prstClr val="black">
+                    <a:lumMod val="50000"/>
+                    <a:lumOff val="50000"/>
+                  </a:prstClr>
+                </a:solidFill>
+              </a:rPr>
+              <a:t>từ cơ sở dữ liệu</a:t>
+            </a:r>
+            <a:endParaRPr lang="en-US" sz="2800" b="1" dirty="0" smtClean="0">
+              <a:solidFill>
+                <a:prstClr val="black">
+                  <a:lumMod val="50000"/>
+                  <a:lumOff val="50000"/>
+                </a:prstClr>
+              </a:solidFill>
+            </a:endParaRPr>
           </a:p>
           <a:p>
             <a:endParaRPr lang="en-US" sz="1000" b="1" dirty="0" smtClean="0">
@@ -9393,7 +9616,40 @@
                   </a:prstClr>
                 </a:solidFill>
               </a:rPr>
-              <a:t>Thông thường tất cả các hoạt động sẽ được lưu trữ thông tin dữ liệu trên Database, nên một phần mềm hoạt động cần có nền cơ sở dữ liệu. </a:t>
+              <a:t>Thông thường tất cả các hoạt động sẽ được lưu trữ thông tin dữ liệu trên </a:t>
+            </a:r>
+            <a:r>
+              <a:rPr lang="en-US" sz="2200" dirty="0" smtClean="0">
+                <a:solidFill>
+                  <a:prstClr val="black">
+                    <a:lumMod val="85000"/>
+                    <a:lumOff val="15000"/>
+                  </a:prstClr>
+                </a:solidFill>
+              </a:rPr>
+              <a:t>cơ sở dữ liệu</a:t>
+            </a:r>
+            <a:r>
+              <a:rPr lang="en-US" sz="2200" dirty="0" smtClean="0">
+                <a:solidFill>
+                  <a:prstClr val="black">
+                    <a:lumMod val="85000"/>
+                    <a:lumOff val="15000"/>
+                  </a:prstClr>
+                </a:solidFill>
+              </a:rPr>
+              <a:t>, </a:t>
+            </a:r>
+            <a:r>
+              <a:rPr lang="en-US" sz="2200" dirty="0" smtClean="0">
+                <a:solidFill>
+                  <a:prstClr val="black">
+                    <a:lumMod val="85000"/>
+                    <a:lumOff val="15000"/>
+                  </a:prstClr>
+                </a:solidFill>
+              </a:rPr>
+              <a:t>nên một phần mềm hoạt động cần có nền cơ sở dữ liệu. </a:t>
             </a:r>
             <a:endParaRPr lang="en-US" dirty="0" smtClean="0">
               <a:solidFill>
@@ -9931,8 +10187,27 @@
                   </a:prstClr>
                 </a:solidFill>
               </a:rPr>
-              <a:t>Tự động sinh ra CSDL</a:t>
-            </a:r>
+              <a:t>Tự động sinh ra </a:t>
+            </a:r>
+            <a:r>
+              <a:rPr lang="en-US" sz="2800" b="1" dirty="0" smtClean="0">
+                <a:solidFill>
+                  <a:prstClr val="black">
+                    <a:lumMod val="50000"/>
+                    <a:lumOff val="50000"/>
+                  </a:prstClr>
+                </a:solidFill>
+              </a:rPr>
+              <a:t>cơ sở dữ liệu</a:t>
+            </a:r>
+            <a:endParaRPr lang="en-US" sz="2800" b="1" dirty="0" smtClean="0">
+              <a:solidFill>
+                <a:prstClr val="black">
+                  <a:lumMod val="50000"/>
+                  <a:lumOff val="50000"/>
+                </a:prstClr>
+              </a:solidFill>
+            </a:endParaRPr>
           </a:p>
           <a:p>
             <a:pPr>
@@ -9963,18 +10238,67 @@
               </a:spcAft>
             </a:pPr>
             <a:r>
-              <a:rPr lang="en-US" sz="2800" dirty="0" smtClean="0">
+              <a:rPr lang="en-US" sz="2200" dirty="0" smtClean="0">
                 <a:solidFill>
                   <a:prstClr val="black">
                     <a:lumMod val="85000"/>
                     <a:lumOff val="15000"/>
                   </a:prstClr>
                 </a:solidFill>
+                <a:latin typeface="+mj-lt"/>
               </a:rPr>
-              <a:t>Ngày nay hướng phát triển đi từ CSDL đang dần lỗi thời. Hướng phát triển mới đi từ các đối tượng để lưu lên CSDL.</a:t>
-            </a:r>
-            <a:endParaRPr lang="en-US" sz="1000" dirty="0" smtClean="0">
-              <a:latin typeface="Courier New" pitchFamily="49" charset="0"/>
+              <a:t>Ngày nay hướng phát triển đi từ </a:t>
+            </a:r>
+            <a:r>
+              <a:rPr lang="en-US" sz="2200" dirty="0" smtClean="0">
+                <a:solidFill>
+                  <a:prstClr val="black">
+                    <a:lumMod val="85000"/>
+                    <a:lumOff val="15000"/>
+                  </a:prstClr>
+                </a:solidFill>
+                <a:latin typeface="+mj-lt"/>
+              </a:rPr>
+              <a:t>cơ sở dữ liệu đang </a:t>
+            </a:r>
+            <a:r>
+              <a:rPr lang="en-US" sz="2200" dirty="0" smtClean="0">
+                <a:solidFill>
+                  <a:prstClr val="black">
+                    <a:lumMod val="85000"/>
+                    <a:lumOff val="15000"/>
+                  </a:prstClr>
+                </a:solidFill>
+                <a:latin typeface="+mj-lt"/>
+              </a:rPr>
+              <a:t>dần lỗi thời. Hướng phát triển mới đi từ các đối tượng </a:t>
+            </a:r>
+            <a:r>
+              <a:rPr lang="en-US" sz="2200" dirty="0" smtClean="0">
+                <a:solidFill>
+                  <a:prstClr val="black">
+                    <a:lumMod val="85000"/>
+                    <a:lumOff val="15000"/>
+                  </a:prstClr>
+                </a:solidFill>
+                <a:latin typeface="+mj-lt"/>
+              </a:rPr>
+              <a:t>sau đó lưu trữ lại trên cơ sở dữ liệu</a:t>
+            </a:r>
+            <a:r>
+              <a:rPr lang="en-US" sz="2200" dirty="0" smtClean="0">
+                <a:solidFill>
+                  <a:prstClr val="black">
+                    <a:lumMod val="85000"/>
+                    <a:lumOff val="15000"/>
+                  </a:prstClr>
+                </a:solidFill>
+                <a:latin typeface="+mj-lt"/>
+              </a:rPr>
+              <a:t>.</a:t>
+            </a:r>
+            <a:endParaRPr lang="en-US" sz="2200" dirty="0" smtClean="0">
+              <a:latin typeface="+mj-lt"/>
               <a:ea typeface="Calibri" pitchFamily="34" charset="0"/>
               <a:cs typeface="Courier New" pitchFamily="49" charset="0"/>
             </a:endParaRPr>
@@ -10153,6 +10477,35 @@
           </p:spPr>
         </p:pic>
       </p:grpSp>
+      <p:sp>
+        <p:nvSpPr>
+          <p:cNvPr id="8" name="TextBox 7"/>
+          <p:cNvSpPr txBox="1"/>
+          <p:nvPr/>
+        </p:nvSpPr>
+        <p:spPr>
+          <a:xfrm>
+            <a:off x="2755515" y="4644880"/>
+            <a:ext cx="1460511" cy="369332"/>
+          </a:xfrm>
+          <a:prstGeom prst="rect">
+            <a:avLst/>
+          </a:prstGeom>
+          <a:noFill/>
+        </p:spPr>
+        <p:txBody>
+          <a:bodyPr wrap="square" rtlCol="0">
+            <a:spAutoFit/>
+          </a:bodyPr>
+          <a:lstStyle/>
+          <a:p>
+            <a:r>
+              <a:rPr lang="en-GB" dirty="0" smtClean="0"/>
+              <a:t>Chương trình</a:t>
+            </a:r>
+          </a:p>
+        </p:txBody>
+      </p:sp>
     </p:spTree>
   </p:cSld>
   <p:clrMapOvr>
@@ -10209,8 +10562,8 @@
         </p:nvSpPr>
         <p:spPr>
           <a:xfrm>
-            <a:off x="228601" y="3124200"/>
-            <a:ext cx="7086600" cy="1447800"/>
+            <a:off x="228600" y="3124200"/>
+            <a:ext cx="7315199" cy="1447800"/>
           </a:xfrm>
         </p:spPr>
         <p:txBody>
@@ -10230,7 +10583,15 @@
                   <a:prstClr val="white"/>
                 </a:solidFill>
               </a:rPr>
-              <a:t>Sinh Code Từ CSDL</a:t>
+              <a:t>Sinh </a:t>
+            </a:r>
+            <a:r>
+              <a:rPr lang="en-US" sz="4400" dirty="0" smtClean="0">
+                <a:solidFill>
+                  <a:prstClr val="white"/>
+                </a:solidFill>
+              </a:rPr>
+              <a:t>mã nguồn từ cơ sở dữ liệu</a:t>
             </a:r>
             <a:endParaRPr lang="en-US" sz="7200" dirty="0"/>
           </a:p>
@@ -10523,7 +10884,23 @@
           <a:p>
             <a:r>
               <a:rPr lang="en-GB" sz="2400" dirty="0"/>
-              <a:t>Đối với một chương trình có kết nối với CSDL thì mô hình 3 tier đang được phổ biến hiện nay.</a:t>
+              <a:t>Đối với một chương trình có kết nối với </a:t>
+            </a:r>
+            <a:r>
+              <a:rPr lang="en-GB" sz="2400" dirty="0" smtClean="0"/>
+              <a:t>cơ sở dữ liệu thì </a:t>
+            </a:r>
+            <a:r>
+              <a:rPr lang="en-GB" sz="2400" dirty="0"/>
+              <a:t>mô hình 3 </a:t>
+            </a:r>
+            <a:r>
+              <a:rPr lang="en-GB" sz="2400" dirty="0" smtClean="0"/>
+              <a:t>lớp đang </a:t>
+            </a:r>
+            <a:r>
+              <a:rPr lang="en-GB" sz="2400" dirty="0"/>
+              <a:t>được phổ biến hiện nay.</a:t>
             </a:r>
           </a:p>
           <a:p>
@@ -11152,7 +11529,11 @@
             <a:p>
               <a:r>
                 <a:rPr lang="en-GB" dirty="0" smtClean="0"/>
-                <a:t>Danh sách các services</a:t>
+                <a:t>Danh sách các </a:t>
+              </a:r>
+              <a:r>
+                <a:rPr lang="en-GB" dirty="0" smtClean="0"/>
+                <a:t>hàm, dịch vụ</a:t>
               </a:r>
               <a:endParaRPr lang="en-GB" dirty="0"/>
             </a:p>
@@ -11521,7 +11902,18 @@
                   </a:prstClr>
                 </a:solidFill>
               </a:rPr>
-              <a:t>Sinh project MVC</a:t>
+              <a:t>Sinh </a:t>
+            </a:r>
+            <a:r>
+              <a:rPr lang="en-US" sz="2800" b="1" dirty="0" smtClean="0">
+                <a:solidFill>
+                  <a:prstClr val="black">
+                    <a:lumMod val="50000"/>
+                    <a:lumOff val="50000"/>
+                  </a:prstClr>
+                </a:solidFill>
+              </a:rPr>
+              <a:t>dự án Website MVC</a:t>
             </a:r>
             <a:endParaRPr lang="en-US" sz="2800" b="1" dirty="0" smtClean="0">
               <a:solidFill>
@@ -11557,7 +11949,29 @@
                   </a:prstClr>
                 </a:solidFill>
               </a:rPr>
-              <a:t>Project MVC được xây dựng trên mẫu MVC, có thể dễ dàng phát triển theo module</a:t>
+              <a:t>Dự án website MVC </a:t>
+            </a:r>
+            <a:r>
+              <a:rPr lang="en-US" sz="2400" b="1" dirty="0" smtClean="0">
+                <a:solidFill>
+                  <a:prstClr val="black">
+                    <a:lumMod val="50000"/>
+                    <a:lumOff val="50000"/>
+                  </a:prstClr>
+                </a:solidFill>
+              </a:rPr>
+              <a:t>được xây dựng trên mẫu MVC, có thể dễ dàng phát </a:t>
+            </a:r>
+            <a:r>
+              <a:rPr lang="en-US" sz="2400" b="1" dirty="0" smtClean="0">
+                <a:solidFill>
+                  <a:prstClr val="black">
+                    <a:lumMod val="50000"/>
+                    <a:lumOff val="50000"/>
+                  </a:prstClr>
+                </a:solidFill>
+              </a:rPr>
+              <a:t>triển.</a:t>
             </a:r>
             <a:endParaRPr lang="en-US" sz="2400" b="1" dirty="0" smtClean="0">
               <a:solidFill>
@@ -11799,7 +12213,7 @@
                   <a:prstClr val="white"/>
                 </a:solidFill>
               </a:rPr>
-              <a:t>CSDL</a:t>
+              <a:t>cơ sở dữ liệu</a:t>
             </a:r>
             <a:endParaRPr lang="en-US" sz="7200" dirty="0"/>
           </a:p>
@@ -11870,13 +12284,13 @@
   <p:clrMapOvr>
     <a:masterClrMapping/>
   </p:clrMapOvr>
-  <mc:AlternateContent xmlns:mc="http://schemas.openxmlformats.org/markup-compatibility/2006">
-    <mc:Choice xmlns:p14="http://schemas.microsoft.com/office/powerpoint/2010/main" Requires="p14">
+  <mc:AlternateContent xmlns:mc="http://schemas.openxmlformats.org/markup-compatibility/2006" xmlns:p14="http://schemas.microsoft.com/office/powerpoint/2010/main">
+    <mc:Choice Requires="p14">
       <p:transition spd="slow" p14:dur="2500">
         <p14:vortex/>
       </p:transition>
     </mc:Choice>
-    <mc:Fallback>
+    <mc:Fallback xmlns="">
       <p:transition spd="slow">
         <p:fade/>
       </p:transition>
